--- a/code/H5Dev.pptx
+++ b/code/H5Dev.pptx
@@ -1685,37 +1685,37 @@
     </dgm:pt>
   </dgm:ptLst>
   <dgm:cxnLst>
+    <dgm:cxn modelId="{9DC8F7F6-7DD2-8647-9E5C-3BEB0A0A65E2}" srcId="{C675FFF0-320D-D048-9C4E-2914846796DF}" destId="{3D31005C-8B32-7B4C-99C5-7AE4598629EF}" srcOrd="0" destOrd="0" parTransId="{8C4F8635-8973-144A-9F5D-AFFA1D52793C}" sibTransId="{A0D946B5-E488-134A-8D5F-E24C4E239107}"/>
+    <dgm:cxn modelId="{5A85AEDF-C132-5F4F-BCC0-9E8A81BDAE2F}" srcId="{8DFAB4AF-0197-B24D-9206-CCCFD9F40105}" destId="{FA1784E0-ED83-554E-A8D4-E005FC7B72C3}" srcOrd="1" destOrd="0" parTransId="{1863FE34-3EFC-5342-882E-74A0D6B2BA2E}" sibTransId="{4582253C-C9A7-BF40-8427-A52314814488}"/>
+    <dgm:cxn modelId="{4E2AF6D5-CDCC-0E46-B110-497D71B4E842}" type="presOf" srcId="{52419EEF-4BCC-A94E-9AAF-EFD7A5344D27}" destId="{08146C88-E91F-B941-A540-B598DB947AB9}" srcOrd="0" destOrd="0" presId="urn:microsoft.com/office/officeart/2005/8/layout/hierarchy2"/>
+    <dgm:cxn modelId="{7899F653-80F8-624D-BA96-ED9BD942FBBC}" type="presOf" srcId="{9DAC2AF2-7F89-D84F-A982-7C2B179DD195}" destId="{E4174B7F-B565-7747-9DC9-54B752496225}" srcOrd="0" destOrd="0" presId="urn:microsoft.com/office/officeart/2005/8/layout/hierarchy2"/>
+    <dgm:cxn modelId="{D46F0713-DA76-2F41-937C-970D93447241}" srcId="{C675FFF0-320D-D048-9C4E-2914846796DF}" destId="{AF589CCD-93CC-BA44-A56E-014E6AC3908B}" srcOrd="1" destOrd="0" parTransId="{9DAC2AF2-7F89-D84F-A982-7C2B179DD195}" sibTransId="{FAE0E277-329B-CF47-AF49-0CDDF19B97B7}"/>
+    <dgm:cxn modelId="{75158034-0BF1-494C-AA56-57ED3F956D59}" type="presOf" srcId="{EE8DFED0-5DF4-EC49-B3F2-E3DD707EFFC0}" destId="{32BF3FCC-41F5-0841-84C3-97D393468EC9}" srcOrd="1" destOrd="0" presId="urn:microsoft.com/office/officeart/2005/8/layout/hierarchy2"/>
+    <dgm:cxn modelId="{37337693-66BE-6B4F-AE73-B3A989AE0368}" type="presOf" srcId="{4739E44B-3D6D-594E-B94F-DA3340D9120D}" destId="{717402EC-56CE-3F4D-82AC-C9F79C08B6D9}" srcOrd="1" destOrd="0" presId="urn:microsoft.com/office/officeart/2005/8/layout/hierarchy2"/>
+    <dgm:cxn modelId="{30E64175-CE0B-924F-9F8D-1B123F93EF31}" type="presOf" srcId="{13176192-CE9A-D14C-9CEB-18F73494A57C}" destId="{8A5B9484-0DA0-134A-8FF0-DFB4BB5D359E}" srcOrd="0" destOrd="0" presId="urn:microsoft.com/office/officeart/2005/8/layout/hierarchy2"/>
+    <dgm:cxn modelId="{2E136237-1E03-1842-8F55-07572A5A6817}" srcId="{FA1784E0-ED83-554E-A8D4-E005FC7B72C3}" destId="{9CCCCFFF-43FA-DC42-992C-05E4278EE852}" srcOrd="2" destOrd="0" parTransId="{EE8DFED0-5DF4-EC49-B3F2-E3DD707EFFC0}" sibTransId="{309C1BCE-41DD-6E45-870E-2B246004F45B}"/>
+    <dgm:cxn modelId="{FBFA2923-7ACE-A446-92F1-6326A4EDC9C4}" type="presOf" srcId="{FA1784E0-ED83-554E-A8D4-E005FC7B72C3}" destId="{F079FD65-351D-E645-B60D-3EB95378D750}" srcOrd="0" destOrd="0" presId="urn:microsoft.com/office/officeart/2005/8/layout/hierarchy2"/>
+    <dgm:cxn modelId="{5A8F2576-F599-7F41-B08F-61E6BBF69C3C}" type="presOf" srcId="{1863FE34-3EFC-5342-882E-74A0D6B2BA2E}" destId="{CD87C4D8-B826-9A4F-BB4A-1B9006752422}" srcOrd="1" destOrd="0" presId="urn:microsoft.com/office/officeart/2005/8/layout/hierarchy2"/>
+    <dgm:cxn modelId="{066061D1-95D5-1B4E-B7EB-A6CC2A26C466}" type="presOf" srcId="{9DAC2AF2-7F89-D84F-A982-7C2B179DD195}" destId="{964CAA91-6BFB-8744-9314-8D37A6637417}" srcOrd="1" destOrd="0" presId="urn:microsoft.com/office/officeart/2005/8/layout/hierarchy2"/>
+    <dgm:cxn modelId="{C7381778-1278-184B-B890-D2DBD62C491B}" srcId="{FA1784E0-ED83-554E-A8D4-E005FC7B72C3}" destId="{ED341CB6-B21D-9C42-A7D7-15F72AEE1DEF}" srcOrd="1" destOrd="0" parTransId="{54A67EBC-CA66-4043-863F-1ED76CB8DFE6}" sibTransId="{AF12AF0C-205C-204F-882F-CFC1F95828B4}"/>
+    <dgm:cxn modelId="{2BA7C1B2-82E7-1A49-9F9D-350A47D0ADE2}" srcId="{8DFAB4AF-0197-B24D-9206-CCCFD9F40105}" destId="{C675FFF0-320D-D048-9C4E-2914846796DF}" srcOrd="0" destOrd="0" parTransId="{71D91CC9-2087-AC45-91AD-F89848B86F36}" sibTransId="{8DBDF300-EA3F-BA4D-9694-666FE86BE884}"/>
+    <dgm:cxn modelId="{ACF31015-6466-7142-A3BE-048506DDF751}" type="presOf" srcId="{71D91CC9-2087-AC45-91AD-F89848B86F36}" destId="{9F2F7542-9F12-BA4A-9EDE-D9E1D9C05BB7}" srcOrd="0" destOrd="0" presId="urn:microsoft.com/office/officeart/2005/8/layout/hierarchy2"/>
+    <dgm:cxn modelId="{BE2D0E5B-4902-EE41-8C5C-AACD97AD4C30}" type="presOf" srcId="{8C4F8635-8973-144A-9F5D-AFFA1D52793C}" destId="{A74ACFA6-A430-1946-9848-D63E95EE2AF8}" srcOrd="0" destOrd="0" presId="urn:microsoft.com/office/officeart/2005/8/layout/hierarchy2"/>
     <dgm:cxn modelId="{ACA574CD-1DD5-5842-A3E4-5218E8853ED0}" type="presOf" srcId="{8DFAB4AF-0197-B24D-9206-CCCFD9F40105}" destId="{F373E127-3E5D-7042-B7EA-E716F662769B}" srcOrd="0" destOrd="0" presId="urn:microsoft.com/office/officeart/2005/8/layout/hierarchy2"/>
-    <dgm:cxn modelId="{ACF31015-6466-7142-A3BE-048506DDF751}" type="presOf" srcId="{71D91CC9-2087-AC45-91AD-F89848B86F36}" destId="{9F2F7542-9F12-BA4A-9EDE-D9E1D9C05BB7}" srcOrd="0" destOrd="0" presId="urn:microsoft.com/office/officeart/2005/8/layout/hierarchy2"/>
-    <dgm:cxn modelId="{7899F653-80F8-624D-BA96-ED9BD942FBBC}" type="presOf" srcId="{9DAC2AF2-7F89-D84F-A982-7C2B179DD195}" destId="{E4174B7F-B565-7747-9DC9-54B752496225}" srcOrd="0" destOrd="0" presId="urn:microsoft.com/office/officeart/2005/8/layout/hierarchy2"/>
-    <dgm:cxn modelId="{9C14CC67-617C-F44B-BDE1-488A5DC471FE}" type="presOf" srcId="{EE8DFED0-5DF4-EC49-B3F2-E3DD707EFFC0}" destId="{090CD22E-7792-A648-A74E-CCDDEE36B039}" srcOrd="0" destOrd="0" presId="urn:microsoft.com/office/officeart/2005/8/layout/hierarchy2"/>
-    <dgm:cxn modelId="{2BA7C1B2-82E7-1A49-9F9D-350A47D0ADE2}" srcId="{8DFAB4AF-0197-B24D-9206-CCCFD9F40105}" destId="{C675FFF0-320D-D048-9C4E-2914846796DF}" srcOrd="0" destOrd="0" parTransId="{71D91CC9-2087-AC45-91AD-F89848B86F36}" sibTransId="{8DBDF300-EA3F-BA4D-9694-666FE86BE884}"/>
-    <dgm:cxn modelId="{FBFA2923-7ACE-A446-92F1-6326A4EDC9C4}" type="presOf" srcId="{FA1784E0-ED83-554E-A8D4-E005FC7B72C3}" destId="{F079FD65-351D-E645-B60D-3EB95378D750}" srcOrd="0" destOrd="0" presId="urn:microsoft.com/office/officeart/2005/8/layout/hierarchy2"/>
+    <dgm:cxn modelId="{59B654FE-A204-D445-B884-1FAFF14DD0D3}" type="presOf" srcId="{C675FFF0-320D-D048-9C4E-2914846796DF}" destId="{ED5E6111-9F50-244B-92C6-D8F9C45911EC}" srcOrd="0" destOrd="0" presId="urn:microsoft.com/office/officeart/2005/8/layout/hierarchy2"/>
+    <dgm:cxn modelId="{B00E41BB-9FB8-CE49-8C9D-B7120661E1F1}" type="presOf" srcId="{71D91CC9-2087-AC45-91AD-F89848B86F36}" destId="{2BA2285C-2F62-0E4D-93C3-05782777A121}" srcOrd="1" destOrd="0" presId="urn:microsoft.com/office/officeart/2005/8/layout/hierarchy2"/>
+    <dgm:cxn modelId="{A8BA1ABE-E58D-7E44-8C13-C50C7C2AF960}" type="presOf" srcId="{8C4F8635-8973-144A-9F5D-AFFA1D52793C}" destId="{FBBD5224-73B3-3C47-9DFC-B78E96FA752C}" srcOrd="1" destOrd="0" presId="urn:microsoft.com/office/officeart/2005/8/layout/hierarchy2"/>
+    <dgm:cxn modelId="{871715A4-8BD6-DE4F-A09F-6A293492FB7C}" srcId="{FA1784E0-ED83-554E-A8D4-E005FC7B72C3}" destId="{52419EEF-4BCC-A94E-9AAF-EFD7A5344D27}" srcOrd="0" destOrd="0" parTransId="{4739E44B-3D6D-594E-B94F-DA3340D9120D}" sibTransId="{F3C3C246-FCC8-1B44-B19A-74E453F482A8}"/>
+    <dgm:cxn modelId="{8C863787-7B6C-9B43-AA0C-F0CE210AD462}" type="presOf" srcId="{4739E44B-3D6D-594E-B94F-DA3340D9120D}" destId="{15BB552F-1996-4345-AB91-4DE22EB157F5}" srcOrd="0" destOrd="0" presId="urn:microsoft.com/office/officeart/2005/8/layout/hierarchy2"/>
     <dgm:cxn modelId="{08F6F17F-7417-3849-A177-6F1891CF56F4}" type="presOf" srcId="{ED341CB6-B21D-9C42-A7D7-15F72AEE1DEF}" destId="{D7A53B6F-5176-094B-94F6-387BC1103F45}" srcOrd="0" destOrd="0" presId="urn:microsoft.com/office/officeart/2005/8/layout/hierarchy2"/>
+    <dgm:cxn modelId="{AD234EC8-C77C-7241-928E-A0C9FA533A6A}" type="presOf" srcId="{1863FE34-3EFC-5342-882E-74A0D6B2BA2E}" destId="{4DCD0BA8-E002-1946-8EAD-AC0E729D2ABD}" srcOrd="0" destOrd="0" presId="urn:microsoft.com/office/officeart/2005/8/layout/hierarchy2"/>
+    <dgm:cxn modelId="{116E4B61-8C83-E146-AF40-953460B0F9E0}" type="presOf" srcId="{9CCCCFFF-43FA-DC42-992C-05E4278EE852}" destId="{E16E9931-5A4B-8341-AA62-3D0202B9176F}" srcOrd="0" destOrd="0" presId="urn:microsoft.com/office/officeart/2005/8/layout/hierarchy2"/>
+    <dgm:cxn modelId="{72B57C8D-B704-B442-B1AE-997B44D89B85}" type="presOf" srcId="{AF589CCD-93CC-BA44-A56E-014E6AC3908B}" destId="{31743817-5034-7949-B1E8-8CFC57336762}" srcOrd="0" destOrd="0" presId="urn:microsoft.com/office/officeart/2005/8/layout/hierarchy2"/>
+    <dgm:cxn modelId="{3E5CDBB5-6CB8-9F46-8B86-CE3D4A1B928C}" type="presOf" srcId="{54A67EBC-CA66-4043-863F-1ED76CB8DFE6}" destId="{B6AD4EAD-B986-8349-8E04-303635EC0B74}" srcOrd="0" destOrd="0" presId="urn:microsoft.com/office/officeart/2005/8/layout/hierarchy2"/>
     <dgm:cxn modelId="{FC20A19F-2577-5B45-999F-00D34F99D8AE}" type="presOf" srcId="{3D31005C-8B32-7B4C-99C5-7AE4598629EF}" destId="{321DBD56-91D9-FD46-835C-32675BB4CB64}" srcOrd="0" destOrd="0" presId="urn:microsoft.com/office/officeart/2005/8/layout/hierarchy2"/>
-    <dgm:cxn modelId="{871715A4-8BD6-DE4F-A09F-6A293492FB7C}" srcId="{FA1784E0-ED83-554E-A8D4-E005FC7B72C3}" destId="{52419EEF-4BCC-A94E-9AAF-EFD7A5344D27}" srcOrd="0" destOrd="0" parTransId="{4739E44B-3D6D-594E-B94F-DA3340D9120D}" sibTransId="{F3C3C246-FCC8-1B44-B19A-74E453F482A8}"/>
-    <dgm:cxn modelId="{59B654FE-A204-D445-B884-1FAFF14DD0D3}" type="presOf" srcId="{C675FFF0-320D-D048-9C4E-2914846796DF}" destId="{ED5E6111-9F50-244B-92C6-D8F9C45911EC}" srcOrd="0" destOrd="0" presId="urn:microsoft.com/office/officeart/2005/8/layout/hierarchy2"/>
-    <dgm:cxn modelId="{3E5CDBB5-6CB8-9F46-8B86-CE3D4A1B928C}" type="presOf" srcId="{54A67EBC-CA66-4043-863F-1ED76CB8DFE6}" destId="{B6AD4EAD-B986-8349-8E04-303635EC0B74}" srcOrd="0" destOrd="0" presId="urn:microsoft.com/office/officeart/2005/8/layout/hierarchy2"/>
-    <dgm:cxn modelId="{8C863787-7B6C-9B43-AA0C-F0CE210AD462}" type="presOf" srcId="{4739E44B-3D6D-594E-B94F-DA3340D9120D}" destId="{15BB552F-1996-4345-AB91-4DE22EB157F5}" srcOrd="0" destOrd="0" presId="urn:microsoft.com/office/officeart/2005/8/layout/hierarchy2"/>
-    <dgm:cxn modelId="{5A85AEDF-C132-5F4F-BCC0-9E8A81BDAE2F}" srcId="{8DFAB4AF-0197-B24D-9206-CCCFD9F40105}" destId="{FA1784E0-ED83-554E-A8D4-E005FC7B72C3}" srcOrd="1" destOrd="0" parTransId="{1863FE34-3EFC-5342-882E-74A0D6B2BA2E}" sibTransId="{4582253C-C9A7-BF40-8427-A52314814488}"/>
-    <dgm:cxn modelId="{BE2D0E5B-4902-EE41-8C5C-AACD97AD4C30}" type="presOf" srcId="{8C4F8635-8973-144A-9F5D-AFFA1D52793C}" destId="{A74ACFA6-A430-1946-9848-D63E95EE2AF8}" srcOrd="0" destOrd="0" presId="urn:microsoft.com/office/officeart/2005/8/layout/hierarchy2"/>
-    <dgm:cxn modelId="{72B57C8D-B704-B442-B1AE-997B44D89B85}" type="presOf" srcId="{AF589CCD-93CC-BA44-A56E-014E6AC3908B}" destId="{31743817-5034-7949-B1E8-8CFC57336762}" srcOrd="0" destOrd="0" presId="urn:microsoft.com/office/officeart/2005/8/layout/hierarchy2"/>
-    <dgm:cxn modelId="{37337693-66BE-6B4F-AE73-B3A989AE0368}" type="presOf" srcId="{4739E44B-3D6D-594E-B94F-DA3340D9120D}" destId="{717402EC-56CE-3F4D-82AC-C9F79C08B6D9}" srcOrd="1" destOrd="0" presId="urn:microsoft.com/office/officeart/2005/8/layout/hierarchy2"/>
-    <dgm:cxn modelId="{AD234EC8-C77C-7241-928E-A0C9FA533A6A}" type="presOf" srcId="{1863FE34-3EFC-5342-882E-74A0D6B2BA2E}" destId="{4DCD0BA8-E002-1946-8EAD-AC0E729D2ABD}" srcOrd="0" destOrd="0" presId="urn:microsoft.com/office/officeart/2005/8/layout/hierarchy2"/>
-    <dgm:cxn modelId="{D46F0713-DA76-2F41-937C-970D93447241}" srcId="{C675FFF0-320D-D048-9C4E-2914846796DF}" destId="{AF589CCD-93CC-BA44-A56E-014E6AC3908B}" srcOrd="1" destOrd="0" parTransId="{9DAC2AF2-7F89-D84F-A982-7C2B179DD195}" sibTransId="{FAE0E277-329B-CF47-AF49-0CDDF19B97B7}"/>
     <dgm:cxn modelId="{AF69D8E0-11FF-AB48-A074-BA5661A241D6}" type="presOf" srcId="{54A67EBC-CA66-4043-863F-1ED76CB8DFE6}" destId="{E368AE08-0C9D-9F4A-94DE-9B4F301FC921}" srcOrd="1" destOrd="0" presId="urn:microsoft.com/office/officeart/2005/8/layout/hierarchy2"/>
     <dgm:cxn modelId="{63C14FFD-5752-F34B-98E5-FC10A6A76E34}" srcId="{13176192-CE9A-D14C-9CEB-18F73494A57C}" destId="{8DFAB4AF-0197-B24D-9206-CCCFD9F40105}" srcOrd="0" destOrd="0" parTransId="{21EE4EBE-B1E9-0848-AE28-DCE6169AE158}" sibTransId="{677C78F3-B9E4-2647-84AA-97DE9CC340BF}"/>
-    <dgm:cxn modelId="{066061D1-95D5-1B4E-B7EB-A6CC2A26C466}" type="presOf" srcId="{9DAC2AF2-7F89-D84F-A982-7C2B179DD195}" destId="{964CAA91-6BFB-8744-9314-8D37A6637417}" srcOrd="1" destOrd="0" presId="urn:microsoft.com/office/officeart/2005/8/layout/hierarchy2"/>
-    <dgm:cxn modelId="{30E64175-CE0B-924F-9F8D-1B123F93EF31}" type="presOf" srcId="{13176192-CE9A-D14C-9CEB-18F73494A57C}" destId="{8A5B9484-0DA0-134A-8FF0-DFB4BB5D359E}" srcOrd="0" destOrd="0" presId="urn:microsoft.com/office/officeart/2005/8/layout/hierarchy2"/>
-    <dgm:cxn modelId="{9DC8F7F6-7DD2-8647-9E5C-3BEB0A0A65E2}" srcId="{C675FFF0-320D-D048-9C4E-2914846796DF}" destId="{3D31005C-8B32-7B4C-99C5-7AE4598629EF}" srcOrd="0" destOrd="0" parTransId="{8C4F8635-8973-144A-9F5D-AFFA1D52793C}" sibTransId="{A0D946B5-E488-134A-8D5F-E24C4E239107}"/>
-    <dgm:cxn modelId="{75158034-0BF1-494C-AA56-57ED3F956D59}" type="presOf" srcId="{EE8DFED0-5DF4-EC49-B3F2-E3DD707EFFC0}" destId="{32BF3FCC-41F5-0841-84C3-97D393468EC9}" srcOrd="1" destOrd="0" presId="urn:microsoft.com/office/officeart/2005/8/layout/hierarchy2"/>
-    <dgm:cxn modelId="{C7381778-1278-184B-B890-D2DBD62C491B}" srcId="{FA1784E0-ED83-554E-A8D4-E005FC7B72C3}" destId="{ED341CB6-B21D-9C42-A7D7-15F72AEE1DEF}" srcOrd="1" destOrd="0" parTransId="{54A67EBC-CA66-4043-863F-1ED76CB8DFE6}" sibTransId="{AF12AF0C-205C-204F-882F-CFC1F95828B4}"/>
-    <dgm:cxn modelId="{B00E41BB-9FB8-CE49-8C9D-B7120661E1F1}" type="presOf" srcId="{71D91CC9-2087-AC45-91AD-F89848B86F36}" destId="{2BA2285C-2F62-0E4D-93C3-05782777A121}" srcOrd="1" destOrd="0" presId="urn:microsoft.com/office/officeart/2005/8/layout/hierarchy2"/>
-    <dgm:cxn modelId="{A8BA1ABE-E58D-7E44-8C13-C50C7C2AF960}" type="presOf" srcId="{8C4F8635-8973-144A-9F5D-AFFA1D52793C}" destId="{FBBD5224-73B3-3C47-9DFC-B78E96FA752C}" srcOrd="1" destOrd="0" presId="urn:microsoft.com/office/officeart/2005/8/layout/hierarchy2"/>
-    <dgm:cxn modelId="{5A8F2576-F599-7F41-B08F-61E6BBF69C3C}" type="presOf" srcId="{1863FE34-3EFC-5342-882E-74A0D6B2BA2E}" destId="{CD87C4D8-B826-9A4F-BB4A-1B9006752422}" srcOrd="1" destOrd="0" presId="urn:microsoft.com/office/officeart/2005/8/layout/hierarchy2"/>
-    <dgm:cxn modelId="{116E4B61-8C83-E146-AF40-953460B0F9E0}" type="presOf" srcId="{9CCCCFFF-43FA-DC42-992C-05E4278EE852}" destId="{E16E9931-5A4B-8341-AA62-3D0202B9176F}" srcOrd="0" destOrd="0" presId="urn:microsoft.com/office/officeart/2005/8/layout/hierarchy2"/>
-    <dgm:cxn modelId="{2E136237-1E03-1842-8F55-07572A5A6817}" srcId="{FA1784E0-ED83-554E-A8D4-E005FC7B72C3}" destId="{9CCCCFFF-43FA-DC42-992C-05E4278EE852}" srcOrd="2" destOrd="0" parTransId="{EE8DFED0-5DF4-EC49-B3F2-E3DD707EFFC0}" sibTransId="{309C1BCE-41DD-6E45-870E-2B246004F45B}"/>
-    <dgm:cxn modelId="{4E2AF6D5-CDCC-0E46-B110-497D71B4E842}" type="presOf" srcId="{52419EEF-4BCC-A94E-9AAF-EFD7A5344D27}" destId="{08146C88-E91F-B941-A540-B598DB947AB9}" srcOrd="0" destOrd="0" presId="urn:microsoft.com/office/officeart/2005/8/layout/hierarchy2"/>
+    <dgm:cxn modelId="{9C14CC67-617C-F44B-BDE1-488A5DC471FE}" type="presOf" srcId="{EE8DFED0-5DF4-EC49-B3F2-E3DD707EFFC0}" destId="{090CD22E-7792-A648-A74E-CCDDEE36B039}" srcOrd="0" destOrd="0" presId="urn:microsoft.com/office/officeart/2005/8/layout/hierarchy2"/>
     <dgm:cxn modelId="{C82EEC88-212B-4049-8EEC-624E673C6D63}" type="presParOf" srcId="{8A5B9484-0DA0-134A-8FF0-DFB4BB5D359E}" destId="{A6ABB392-784D-AE44-BD43-4487F411E42A}" srcOrd="0" destOrd="0" presId="urn:microsoft.com/office/officeart/2005/8/layout/hierarchy2"/>
     <dgm:cxn modelId="{2D807ABF-21D4-6344-A856-217105EF0D6D}" type="presParOf" srcId="{A6ABB392-784D-AE44-BD43-4487F411E42A}" destId="{F373E127-3E5D-7042-B7EA-E716F662769B}" srcOrd="0" destOrd="0" presId="urn:microsoft.com/office/officeart/2005/8/layout/hierarchy2"/>
     <dgm:cxn modelId="{4DF2AAAC-2754-B64F-A0CB-D2E44E1FBDC1}" type="presParOf" srcId="{A6ABB392-784D-AE44-BD43-4487F411E42A}" destId="{0B6F93AB-26D4-6746-A46C-94C88743C961}" srcOrd="1" destOrd="0" presId="urn:microsoft.com/office/officeart/2005/8/layout/hierarchy2"/>
@@ -4967,7 +4967,7 @@
           <a:p>
             <a:fld id="{7CE38E4D-051A-41E1-86A4-E56916468FD0}" type="datetimeFigureOut">
               <a:rPr lang="en-US" smtClean="0"/>
-              <a:t>14-1-25</a:t>
+              <a:t>14-1-26</a:t>
             </a:fld>
             <a:endParaRPr lang="en-US"/>
           </a:p>
@@ -5301,7 +5301,7 @@
           <a:p>
             <a:fld id="{7CE38E4D-051A-41E1-86A4-E56916468FD0}" type="datetimeFigureOut">
               <a:rPr lang="en-US" smtClean="0"/>
-              <a:t>14-1-25</a:t>
+              <a:t>14-1-26</a:t>
             </a:fld>
             <a:endParaRPr lang="en-US"/>
           </a:p>
@@ -5540,7 +5540,7 @@
           <a:p>
             <a:fld id="{7CE38E4D-051A-41E1-86A4-E56916468FD0}" type="datetimeFigureOut">
               <a:rPr lang="en-US" smtClean="0"/>
-              <a:t>14-1-25</a:t>
+              <a:t>14-1-26</a:t>
             </a:fld>
             <a:endParaRPr lang="en-US"/>
           </a:p>
@@ -5840,7 +5840,7 @@
           <a:p>
             <a:fld id="{7CE38E4D-051A-41E1-86A4-E56916468FD0}" type="datetimeFigureOut">
               <a:rPr lang="en-US" smtClean="0"/>
-              <a:t>14-1-25</a:t>
+              <a:t>14-1-26</a:t>
             </a:fld>
             <a:endParaRPr lang="en-US"/>
           </a:p>
@@ -6056,7 +6056,7 @@
           <a:p>
             <a:fld id="{7CE38E4D-051A-41E1-86A4-E56916468FD0}" type="datetimeFigureOut">
               <a:rPr lang="en-US" smtClean="0"/>
-              <a:t>14-1-25</a:t>
+              <a:t>14-1-26</a:t>
             </a:fld>
             <a:endParaRPr lang="en-US"/>
           </a:p>
@@ -6416,7 +6416,7 @@
           <a:p>
             <a:fld id="{7CE38E4D-051A-41E1-86A4-E56916468FD0}" type="datetimeFigureOut">
               <a:rPr lang="en-US" smtClean="0"/>
-              <a:t>14-1-25</a:t>
+              <a:t>14-1-26</a:t>
             </a:fld>
             <a:endParaRPr lang="en-US"/>
           </a:p>
@@ -6683,7 +6683,7 @@
           <a:p>
             <a:fld id="{7CE38E4D-051A-41E1-86A4-E56916468FD0}" type="datetimeFigureOut">
               <a:rPr lang="en-US" smtClean="0"/>
-              <a:t>14-1-25</a:t>
+              <a:t>14-1-26</a:t>
             </a:fld>
             <a:endParaRPr lang="en-US"/>
           </a:p>
@@ -6773,7 +6773,7 @@
           <a:p>
             <a:fld id="{7CE38E4D-051A-41E1-86A4-E56916468FD0}" type="datetimeFigureOut">
               <a:rPr lang="en-US" smtClean="0"/>
-              <a:t>14-1-25</a:t>
+              <a:t>14-1-26</a:t>
             </a:fld>
             <a:endParaRPr lang="en-US"/>
           </a:p>
@@ -7074,7 +7074,7 @@
           <a:p>
             <a:fld id="{7CE38E4D-051A-41E1-86A4-E56916468FD0}" type="datetimeFigureOut">
               <a:rPr lang="en-US" smtClean="0"/>
-              <a:t>14-1-25</a:t>
+              <a:t>14-1-26</a:t>
             </a:fld>
             <a:endParaRPr lang="en-US"/>
           </a:p>
@@ -7380,7 +7380,7 @@
           <a:p>
             <a:fld id="{7CE38E4D-051A-41E1-86A4-E56916468FD0}" type="datetimeFigureOut">
               <a:rPr lang="en-US" smtClean="0"/>
-              <a:t>14-1-25</a:t>
+              <a:t>14-1-26</a:t>
             </a:fld>
             <a:endParaRPr lang="en-US"/>
           </a:p>
@@ -7660,7 +7660,7 @@
           <a:p>
             <a:fld id="{7CE38E4D-051A-41E1-86A4-E56916468FD0}" type="datetimeFigureOut">
               <a:rPr lang="en-US" smtClean="0"/>
-              <a:t>14-1-25</a:t>
+              <a:t>14-1-26</a:t>
             </a:fld>
             <a:endParaRPr lang="en-US"/>
           </a:p>
@@ -8068,7 +8068,7 @@
           <a:p>
             <a:fld id="{7CE38E4D-051A-41E1-86A4-E56916468FD0}" type="datetimeFigureOut">
               <a:rPr lang="en-US" smtClean="0"/>
-              <a:t>14-1-25</a:t>
+              <a:t>14-1-26</a:t>
             </a:fld>
             <a:endParaRPr lang="en-US"/>
           </a:p>
@@ -8628,7 +8628,7 @@
           <a:p>
             <a:fld id="{7CE38E4D-051A-41E1-86A4-E56916468FD0}" type="datetimeFigureOut">
               <a:rPr lang="en-US" smtClean="0"/>
-              <a:t>14-1-25</a:t>
+              <a:t>14-1-26</a:t>
             </a:fld>
             <a:endParaRPr lang="en-US"/>
           </a:p>
@@ -8776,7 +8776,7 @@
           <a:p>
             <a:fld id="{7CE38E4D-051A-41E1-86A4-E56916468FD0}" type="datetimeFigureOut">
               <a:rPr lang="en-US" smtClean="0"/>
-              <a:t>14-1-25</a:t>
+              <a:t>14-1-26</a:t>
             </a:fld>
             <a:endParaRPr lang="en-US"/>
           </a:p>
@@ -8866,7 +8866,7 @@
           <a:p>
             <a:fld id="{7CE38E4D-051A-41E1-86A4-E56916468FD0}" type="datetimeFigureOut">
               <a:rPr lang="en-US" smtClean="0"/>
-              <a:t>14-1-25</a:t>
+              <a:t>14-1-26</a:t>
             </a:fld>
             <a:endParaRPr lang="en-US"/>
           </a:p>
@@ -9208,7 +9208,7 @@
           <a:p>
             <a:fld id="{7CE38E4D-051A-41E1-86A4-E56916468FD0}" type="datetimeFigureOut">
               <a:rPr lang="en-US" smtClean="0"/>
-              <a:t>14-1-25</a:t>
+              <a:t>14-1-26</a:t>
             </a:fld>
             <a:endParaRPr lang="en-US"/>
           </a:p>
@@ -9417,7 +9417,7 @@
           <a:p>
             <a:fld id="{7CE38E4D-051A-41E1-86A4-E56916468FD0}" type="datetimeFigureOut">
               <a:rPr lang="en-US" smtClean="0"/>
-              <a:t>14-1-25</a:t>
+              <a:t>14-1-26</a:t>
             </a:fld>
             <a:endParaRPr lang="en-US"/>
           </a:p>
@@ -12317,8 +12317,12 @@
               <a:t>函数</a:t>
             </a:r>
             <a:r>
+              <a:rPr lang="zh-CN" altLang="en-US" sz="1600" smtClean="0"/>
+              <a:t>，接</a:t>
+            </a:r>
+            <a:r>
               <a:rPr lang="zh-CN" altLang="en-US" sz="1600" dirty="0" smtClean="0"/>
-              <a:t>，已接收</a:t>
+              <a:t>收</a:t>
             </a:r>
             <a:r>
               <a:rPr lang="en-US" altLang="zh-CN" sz="1600" dirty="0" smtClean="0"/>
